--- a/Car Classification App.pptx
+++ b/Car Classification App.pptx
@@ -55,13 +55,6 @@
       <p:bold r:id="rId32"/>
       <p:italic r:id="rId33"/>
       <p:boldItalic r:id="rId34"/>
-    </p:embeddedFont>
-    <p:embeddedFont>
-      <p:font typeface="Ubuntu Light" panose="020B0304030602030204" pitchFamily="34" charset="0"/>
-      <p:regular r:id="rId35"/>
-      <p:bold r:id="rId36"/>
-      <p:italic r:id="rId37"/>
-      <p:boldItalic r:id="rId38"/>
     </p:embeddedFont>
   </p:embeddedFontLst>
   <p:defaultTextStyle>
@@ -2555,7 +2548,7 @@
         </p:nvSpPr>
         <p:spPr>
           <a:xfrm>
-            <a:off x="381300" y="685800"/>
+            <a:off x="381000" y="685800"/>
             <a:ext cx="6096000" cy="3429000"/>
           </a:xfrm>
           <a:custGeom>
@@ -2609,109 +2602,16 @@
           </a:bodyPr>
           <a:lstStyle/>
           <a:p>
-            <a:pPr marL="749300" lvl="0" indent="-330200" algn="l" rtl="0">
-              <a:lnSpc>
-                <a:spcPct val="158000"/>
-              </a:lnSpc>
-              <a:spcBef>
-                <a:spcPts val="3200"/>
-              </a:spcBef>
-              <a:spcAft>
-                <a:spcPts val="0"/>
-              </a:spcAft>
-              <a:buSzPts val="1600"/>
-              <a:buFont typeface="Georgia"/>
-              <a:buAutoNum type="arabicPeriod"/>
+            <a:pPr marL="0" lvl="0" indent="0" algn="l" rtl="0">
+              <a:spcBef>
+                <a:spcPts val="0"/>
+              </a:spcBef>
+              <a:spcAft>
+                <a:spcPts val="0"/>
+              </a:spcAft>
+              <a:buNone/>
             </a:pPr>
-            <a:r>
-              <a:rPr lang="es" sz="1600">
-                <a:latin typeface="Georgia"/>
-                <a:ea typeface="Georgia"/>
-                <a:cs typeface="Georgia"/>
-                <a:sym typeface="Georgia"/>
-              </a:rPr>
-              <a:t>They mitigate the problem of vanishing gradient by allowing this alternate shortcut path for gradient to flow through</a:t>
-            </a:r>
-            <a:endParaRPr sz="1600">
-              <a:latin typeface="Georgia"/>
-              <a:ea typeface="Georgia"/>
-              <a:cs typeface="Georgia"/>
-              <a:sym typeface="Georgia"/>
-            </a:endParaRPr>
-          </a:p>
-          <a:p>
-            <a:pPr marL="749300" lvl="0" indent="-330200" algn="l" rtl="0">
-              <a:lnSpc>
-                <a:spcPct val="158000"/>
-              </a:lnSpc>
-              <a:spcBef>
-                <a:spcPts val="0"/>
-              </a:spcBef>
-              <a:spcAft>
-                <a:spcPts val="0"/>
-              </a:spcAft>
-              <a:buSzPts val="1600"/>
-              <a:buFont typeface="Georgia"/>
-              <a:buAutoNum type="arabicPeriod"/>
-            </a:pPr>
-            <a:r>
-              <a:rPr lang="es" sz="1600">
-                <a:latin typeface="Georgia"/>
-                <a:ea typeface="Georgia"/>
-                <a:cs typeface="Georgia"/>
-                <a:sym typeface="Georgia"/>
-              </a:rPr>
-              <a:t>They allow the model to learn an identity function which ensures that the higher layer will perform at least as good as the lower layer, and not worse</a:t>
-            </a:r>
-            <a:endParaRPr sz="1600">
-              <a:latin typeface="Georgia"/>
-              <a:ea typeface="Georgia"/>
-              <a:cs typeface="Georgia"/>
-              <a:sym typeface="Georgia"/>
-            </a:endParaRPr>
-          </a:p>
-          <a:p>
-            <a:pPr marL="749300" lvl="0" indent="-330200" algn="l" rtl="0">
-              <a:lnSpc>
-                <a:spcPct val="158000"/>
-              </a:lnSpc>
-              <a:spcBef>
-                <a:spcPts val="0"/>
-              </a:spcBef>
-              <a:spcAft>
-                <a:spcPts val="0"/>
-              </a:spcAft>
-              <a:buSzPts val="1600"/>
-              <a:buFont typeface="Georgia"/>
-              <a:buAutoNum type="arabicPeriod"/>
-            </a:pPr>
-            <a:r>
-              <a:rPr lang="es" sz="1600">
-                <a:latin typeface="Georgia"/>
-                <a:ea typeface="Georgia"/>
-                <a:cs typeface="Georgia"/>
-                <a:sym typeface="Georgia"/>
-              </a:rPr>
-              <a:t>https://towardsdatascience.com/understanding-and-coding-a-resnet-in-keras-446d7ff84d33</a:t>
-            </a:r>
-            <a:endParaRPr sz="1600">
-              <a:latin typeface="Georgia"/>
-              <a:ea typeface="Georgia"/>
-              <a:cs typeface="Georgia"/>
-              <a:sym typeface="Georgia"/>
-            </a:endParaRPr>
-          </a:p>
-          <a:p>
-            <a:pPr marL="0" lvl="0" indent="0" algn="l" rtl="0">
-              <a:spcBef>
-                <a:spcPts val="0"/>
-              </a:spcBef>
-              <a:spcAft>
-                <a:spcPts val="0"/>
-              </a:spcAft>
-              <a:buNone/>
-            </a:pPr>
-            <a:endParaRPr/>
+            <a:endParaRPr dirty="0"/>
           </a:p>
         </p:txBody>
       </p:sp>
@@ -30316,7 +30216,7 @@
         </p:nvSpPr>
         <p:spPr>
           <a:xfrm>
-            <a:off x="-5" y="129025"/>
+            <a:off x="1223464" y="153680"/>
             <a:ext cx="1935000" cy="2052600"/>
           </a:xfrm>
           <a:prstGeom prst="rect">
@@ -30339,7 +30239,7 @@
               <a:buNone/>
             </a:pPr>
             <a:r>
-              <a:rPr lang="es">
+              <a:rPr lang="es" dirty="0">
                 <a:solidFill>
                   <a:srgbClr val="69B9B2"/>
                 </a:solidFill>
@@ -30347,14 +30247,14 @@
               <a:t>ResNet50: </a:t>
             </a:r>
             <a:r>
-              <a:rPr lang="es">
+              <a:rPr lang="es" dirty="0">
                 <a:solidFill>
                   <a:srgbClr val="FFFFFF"/>
                 </a:solidFill>
               </a:rPr>
               <a:t>winner of ImageNet 2015 challenge using skip connection</a:t>
             </a:r>
-            <a:endParaRPr>
+            <a:endParaRPr dirty="0">
               <a:solidFill>
                 <a:srgbClr val="FFFFFF"/>
               </a:solidFill>
@@ -30378,7 +30278,7 @@
         </p:blipFill>
         <p:spPr>
           <a:xfrm>
-            <a:off x="3413253" y="-116550"/>
+            <a:off x="5800269" y="0"/>
             <a:ext cx="2736772" cy="2052600"/>
           </a:xfrm>
           <a:prstGeom prst="rect">
@@ -30398,7 +30298,7 @@
         </p:nvSpPr>
         <p:spPr>
           <a:xfrm>
-            <a:off x="3738125" y="1337525"/>
+            <a:off x="6125141" y="1454075"/>
             <a:ext cx="2995800" cy="3781200"/>
           </a:xfrm>
           <a:prstGeom prst="rect">
@@ -30430,7 +30330,7 @@
               <a:buChar char="●"/>
             </a:pPr>
             <a:r>
-              <a:rPr lang="es" sz="1800">
+              <a:rPr lang="es" sz="1800" dirty="0">
                 <a:solidFill>
                   <a:srgbClr val="374957"/>
                 </a:solidFill>
@@ -30441,7 +30341,7 @@
               </a:rPr>
               <a:t>93k image urls from Kaggle car dataset</a:t>
             </a:r>
-            <a:endParaRPr sz="1800">
+            <a:endParaRPr sz="1800" dirty="0">
               <a:solidFill>
                 <a:srgbClr val="374957"/>
               </a:solidFill>
@@ -30467,7 +30367,7 @@
               <a:buChar char="●"/>
             </a:pPr>
             <a:r>
-              <a:rPr lang="es" sz="1800">
+              <a:rPr lang="es" sz="1800" dirty="0">
                 <a:solidFill>
                   <a:srgbClr val="374957"/>
                 </a:solidFill>
@@ -30478,7 +30378,7 @@
               </a:rPr>
               <a:t>Scraped images and mapped back to classes from dataset</a:t>
             </a:r>
-            <a:endParaRPr sz="1800">
+            <a:endParaRPr sz="1800" dirty="0">
               <a:solidFill>
                 <a:srgbClr val="374957"/>
               </a:solidFill>
@@ -30504,7 +30404,7 @@
               <a:buChar char="●"/>
             </a:pPr>
             <a:r>
-              <a:rPr lang="es" sz="1800">
+              <a:rPr lang="es" sz="1800" dirty="0">
                 <a:solidFill>
                   <a:srgbClr val="374957"/>
                 </a:solidFill>
@@ -30515,7 +30415,7 @@
               </a:rPr>
               <a:t>Class: Make and model</a:t>
             </a:r>
-            <a:endParaRPr sz="1800">
+            <a:endParaRPr sz="1800" dirty="0">
               <a:solidFill>
                 <a:srgbClr val="374957"/>
               </a:solidFill>
@@ -30541,7 +30441,7 @@
               <a:buChar char="●"/>
             </a:pPr>
             <a:r>
-              <a:rPr lang="es" sz="1800">
+              <a:rPr lang="es" sz="1800" dirty="0">
                 <a:solidFill>
                   <a:srgbClr val="374957"/>
                 </a:solidFill>
@@ -30552,7 +30452,7 @@
               </a:rPr>
               <a:t>304 imbalanced classes</a:t>
             </a:r>
-            <a:endParaRPr sz="1800">
+            <a:endParaRPr sz="1800" dirty="0">
               <a:solidFill>
                 <a:srgbClr val="374957"/>
               </a:solidFill>
@@ -30578,7 +30478,7 @@
               <a:buChar char="●"/>
             </a:pPr>
             <a:r>
-              <a:rPr lang="es" sz="1800">
+              <a:rPr lang="es" sz="1800" dirty="0">
                 <a:solidFill>
                   <a:srgbClr val="374957"/>
                 </a:solidFill>
@@ -30589,7 +30489,7 @@
               </a:rPr>
               <a:t>32 manufacturers</a:t>
             </a:r>
-            <a:endParaRPr sz="1800">
+            <a:endParaRPr sz="1800" dirty="0">
               <a:solidFill>
                 <a:srgbClr val="374957"/>
               </a:solidFill>
@@ -30615,7 +30515,7 @@
               <a:buChar char="●"/>
             </a:pPr>
             <a:r>
-              <a:rPr lang="es" sz="1800">
+              <a:rPr lang="es" sz="1800" dirty="0">
                 <a:solidFill>
                   <a:srgbClr val="374957"/>
                 </a:solidFill>
@@ -30626,7 +30526,7 @@
               </a:rPr>
               <a:t>Dealership and street images</a:t>
             </a:r>
-            <a:endParaRPr sz="1800">
+            <a:endParaRPr sz="1800" dirty="0">
               <a:solidFill>
                 <a:srgbClr val="374957"/>
               </a:solidFill>
@@ -30646,7 +30546,7 @@
               </a:spcAft>
               <a:buNone/>
             </a:pPr>
-            <a:endParaRPr sz="1800">
+            <a:endParaRPr sz="1800" dirty="0">
               <a:solidFill>
                 <a:srgbClr val="374957"/>
               </a:solidFill>
@@ -30658,1652 +30558,6 @@
           </a:p>
         </p:txBody>
       </p:sp>
-      <p:graphicFrame>
-        <p:nvGraphicFramePr>
-          <p:cNvPr id="275" name="Google Shape;275;p30"/>
-          <p:cNvGraphicFramePr/>
-          <p:nvPr/>
-        </p:nvGraphicFramePr>
-        <p:xfrm>
-          <a:off x="6583150" y="209410"/>
-          <a:ext cx="2394375" cy="4663225"/>
-        </p:xfrm>
-        <a:graphic>
-          <a:graphicData uri="http://schemas.openxmlformats.org/drawingml/2006/table">
-            <a:tbl>
-              <a:tblPr>
-                <a:noFill/>
-                <a:tableStyleId>{559738AD-E62F-4091-AD3E-E3FDD80559F7}</a:tableStyleId>
-              </a:tblPr>
-              <a:tblGrid>
-                <a:gridCol w="953125">
-                  <a:extLst>
-                    <a:ext uri="{9D8B030D-6E8A-4147-A177-3AD203B41FA5}">
-                      <a16:colId xmlns:a16="http://schemas.microsoft.com/office/drawing/2014/main" val="20000"/>
-                    </a:ext>
-                  </a:extLst>
-                </a:gridCol>
-                <a:gridCol w="1441250">
-                  <a:extLst>
-                    <a:ext uri="{9D8B030D-6E8A-4147-A177-3AD203B41FA5}">
-                      <a16:colId xmlns:a16="http://schemas.microsoft.com/office/drawing/2014/main" val="20001"/>
-                    </a:ext>
-                  </a:extLst>
-                </a:gridCol>
-              </a:tblGrid>
-              <a:tr h="440875">
-                <a:tc>
-                  <a:txBody>
-                    <a:bodyPr/>
-                    <a:lstStyle/>
-                    <a:p>
-                      <a:pPr marL="0" lvl="0" indent="0" algn="l" rtl="0">
-                        <a:spcBef>
-                          <a:spcPts val="0"/>
-                        </a:spcBef>
-                        <a:spcAft>
-                          <a:spcPts val="0"/>
-                        </a:spcAft>
-                        <a:buNone/>
-                      </a:pPr>
-                      <a:endParaRPr sz="1800">
-                        <a:latin typeface="Ubuntu Light"/>
-                        <a:ea typeface="Ubuntu Light"/>
-                        <a:cs typeface="Ubuntu Light"/>
-                        <a:sym typeface="Ubuntu Light"/>
-                      </a:endParaRPr>
-                    </a:p>
-                  </a:txBody>
-                  <a:tcPr marL="91425" marR="91425" marT="68575" marB="68575" anchor="ctr">
-                    <a:lnL w="9525" cap="flat" cmpd="sng">
-                      <a:solidFill>
-                        <a:srgbClr val="2E707B">
-                          <a:alpha val="0"/>
-                        </a:srgbClr>
-                      </a:solidFill>
-                      <a:prstDash val="solid"/>
-                      <a:round/>
-                      <a:headEnd type="none" w="sm" len="sm"/>
-                      <a:tailEnd type="none" w="sm" len="sm"/>
-                    </a:lnL>
-                    <a:lnR w="9525" cap="flat" cmpd="sng">
-                      <a:solidFill>
-                        <a:srgbClr val="BDCDD1"/>
-                      </a:solidFill>
-                      <a:prstDash val="solid"/>
-                      <a:round/>
-                      <a:headEnd type="none" w="sm" len="sm"/>
-                      <a:tailEnd type="none" w="sm" len="sm"/>
-                    </a:lnR>
-                    <a:lnT w="38100" cap="flat" cmpd="sng">
-                      <a:solidFill>
-                        <a:srgbClr val="2E707B">
-                          <a:alpha val="0"/>
-                        </a:srgbClr>
-                      </a:solidFill>
-                      <a:prstDash val="solid"/>
-                      <a:round/>
-                      <a:headEnd type="none" w="sm" len="sm"/>
-                      <a:tailEnd type="none" w="sm" len="sm"/>
-                    </a:lnT>
-                    <a:lnB w="9525" cap="flat" cmpd="sng">
-                      <a:solidFill>
-                        <a:srgbClr val="BDCDD1"/>
-                      </a:solidFill>
-                      <a:prstDash val="solid"/>
-                      <a:round/>
-                      <a:headEnd type="none" w="sm" len="sm"/>
-                      <a:tailEnd type="none" w="sm" len="sm"/>
-                    </a:lnB>
-                  </a:tcPr>
-                </a:tc>
-                <a:tc>
-                  <a:txBody>
-                    <a:bodyPr/>
-                    <a:lstStyle/>
-                    <a:p>
-                      <a:pPr marL="0" lvl="0" indent="0" algn="ctr" rtl="0">
-                        <a:spcBef>
-                          <a:spcPts val="0"/>
-                        </a:spcBef>
-                        <a:spcAft>
-                          <a:spcPts val="0"/>
-                        </a:spcAft>
-                        <a:buNone/>
-                      </a:pPr>
-                      <a:r>
-                        <a:rPr lang="es">
-                          <a:solidFill>
-                            <a:srgbClr val="FFFFFF"/>
-                          </a:solidFill>
-                          <a:latin typeface="Oswald"/>
-                          <a:ea typeface="Oswald"/>
-                          <a:cs typeface="Oswald"/>
-                          <a:sym typeface="Oswald"/>
-                        </a:rPr>
-                        <a:t>Images</a:t>
-                      </a:r>
-                      <a:endParaRPr sz="900">
-                        <a:solidFill>
-                          <a:srgbClr val="FFFFFF"/>
-                        </a:solidFill>
-                        <a:latin typeface="Oswald"/>
-                        <a:ea typeface="Oswald"/>
-                        <a:cs typeface="Oswald"/>
-                        <a:sym typeface="Oswald"/>
-                      </a:endParaRPr>
-                    </a:p>
-                  </a:txBody>
-                  <a:tcPr marL="91425" marR="91425" marT="68575" marB="68575">
-                    <a:lnL w="9525" cap="flat" cmpd="sng">
-                      <a:solidFill>
-                        <a:srgbClr val="BDCDD1"/>
-                      </a:solidFill>
-                      <a:prstDash val="solid"/>
-                      <a:round/>
-                      <a:headEnd type="none" w="sm" len="sm"/>
-                      <a:tailEnd type="none" w="sm" len="sm"/>
-                    </a:lnL>
-                    <a:lnR w="9525" cap="flat" cmpd="sng">
-                      <a:solidFill>
-                        <a:srgbClr val="BDCDD1"/>
-                      </a:solidFill>
-                      <a:prstDash val="solid"/>
-                      <a:round/>
-                      <a:headEnd type="none" w="sm" len="sm"/>
-                      <a:tailEnd type="none" w="sm" len="sm"/>
-                    </a:lnR>
-                    <a:lnT w="9525" cap="flat" cmpd="sng">
-                      <a:solidFill>
-                        <a:srgbClr val="BDCDD1"/>
-                      </a:solidFill>
-                      <a:prstDash val="solid"/>
-                      <a:round/>
-                      <a:headEnd type="none" w="sm" len="sm"/>
-                      <a:tailEnd type="none" w="sm" len="sm"/>
-                    </a:lnT>
-                    <a:lnB w="9525" cap="flat" cmpd="sng">
-                      <a:solidFill>
-                        <a:srgbClr val="BDCDD1"/>
-                      </a:solidFill>
-                      <a:prstDash val="solid"/>
-                      <a:round/>
-                      <a:headEnd type="none" w="sm" len="sm"/>
-                      <a:tailEnd type="none" w="sm" len="sm"/>
-                    </a:lnB>
-                    <a:solidFill>
-                      <a:srgbClr val="2E707B"/>
-                    </a:solidFill>
-                  </a:tcPr>
-                </a:tc>
-                <a:extLst>
-                  <a:ext uri="{0D108BD9-81ED-4DB2-BD59-A6C34878D82A}">
-                    <a16:rowId xmlns:a16="http://schemas.microsoft.com/office/drawing/2014/main" val="10000"/>
-                  </a:ext>
-                </a:extLst>
-              </a:tr>
-              <a:tr h="469150">
-                <a:tc>
-                  <a:txBody>
-                    <a:bodyPr/>
-                    <a:lstStyle/>
-                    <a:p>
-                      <a:pPr marL="0" lvl="0" indent="0" algn="ctr" rtl="0">
-                        <a:spcBef>
-                          <a:spcPts val="0"/>
-                        </a:spcBef>
-                        <a:spcAft>
-                          <a:spcPts val="0"/>
-                        </a:spcAft>
-                        <a:buNone/>
-                      </a:pPr>
-                      <a:r>
-                        <a:rPr lang="es">
-                          <a:solidFill>
-                            <a:srgbClr val="FFFFFF"/>
-                          </a:solidFill>
-                          <a:latin typeface="Oswald"/>
-                          <a:ea typeface="Oswald"/>
-                          <a:cs typeface="Oswald"/>
-                          <a:sym typeface="Oswald"/>
-                        </a:rPr>
-                        <a:t>Ford</a:t>
-                      </a:r>
-                      <a:endParaRPr>
-                        <a:solidFill>
-                          <a:srgbClr val="FFFFFF"/>
-                        </a:solidFill>
-                        <a:latin typeface="Oswald"/>
-                        <a:ea typeface="Oswald"/>
-                        <a:cs typeface="Oswald"/>
-                        <a:sym typeface="Oswald"/>
-                      </a:endParaRPr>
-                    </a:p>
-                  </a:txBody>
-                  <a:tcPr marL="91425" marR="91425" marT="68575" marB="68575" anchor="ctr">
-                    <a:lnL w="9525" cap="flat" cmpd="sng">
-                      <a:solidFill>
-                        <a:srgbClr val="BDCDD1"/>
-                      </a:solidFill>
-                      <a:prstDash val="solid"/>
-                      <a:round/>
-                      <a:headEnd type="none" w="sm" len="sm"/>
-                      <a:tailEnd type="none" w="sm" len="sm"/>
-                    </a:lnL>
-                    <a:lnR w="9525" cap="flat" cmpd="sng">
-                      <a:solidFill>
-                        <a:srgbClr val="BDCDD1"/>
-                      </a:solidFill>
-                      <a:prstDash val="solid"/>
-                      <a:round/>
-                      <a:headEnd type="none" w="sm" len="sm"/>
-                      <a:tailEnd type="none" w="sm" len="sm"/>
-                    </a:lnR>
-                    <a:lnT w="9525" cap="flat" cmpd="sng">
-                      <a:solidFill>
-                        <a:srgbClr val="BDCDD1"/>
-                      </a:solidFill>
-                      <a:prstDash val="solid"/>
-                      <a:round/>
-                      <a:headEnd type="none" w="sm" len="sm"/>
-                      <a:tailEnd type="none" w="sm" len="sm"/>
-                    </a:lnT>
-                    <a:lnB w="9525" cap="flat" cmpd="sng">
-                      <a:solidFill>
-                        <a:srgbClr val="BDCDD1"/>
-                      </a:solidFill>
-                      <a:prstDash val="solid"/>
-                      <a:round/>
-                      <a:headEnd type="none" w="sm" len="sm"/>
-                      <a:tailEnd type="none" w="sm" len="sm"/>
-                    </a:lnB>
-                    <a:solidFill>
-                      <a:schemeClr val="accent5"/>
-                    </a:solidFill>
-                  </a:tcPr>
-                </a:tc>
-                <a:tc>
-                  <a:txBody>
-                    <a:bodyPr/>
-                    <a:lstStyle/>
-                    <a:p>
-                      <a:pPr marL="0" lvl="0" indent="0" algn="ctr" rtl="0">
-                        <a:spcBef>
-                          <a:spcPts val="0"/>
-                        </a:spcBef>
-                        <a:spcAft>
-                          <a:spcPts val="0"/>
-                        </a:spcAft>
-                        <a:buNone/>
-                      </a:pPr>
-                      <a:r>
-                        <a:rPr lang="es" sz="1800">
-                          <a:solidFill>
-                            <a:srgbClr val="2E707B"/>
-                          </a:solidFill>
-                          <a:latin typeface="Source Sans Pro"/>
-                          <a:ea typeface="Source Sans Pro"/>
-                          <a:cs typeface="Source Sans Pro"/>
-                          <a:sym typeface="Source Sans Pro"/>
-                        </a:rPr>
-                        <a:t>13,965</a:t>
-                      </a:r>
-                      <a:endParaRPr sz="1800">
-                        <a:solidFill>
-                          <a:srgbClr val="2E707B"/>
-                        </a:solidFill>
-                        <a:latin typeface="Source Sans Pro"/>
-                        <a:ea typeface="Source Sans Pro"/>
-                        <a:cs typeface="Source Sans Pro"/>
-                        <a:sym typeface="Source Sans Pro"/>
-                      </a:endParaRPr>
-                    </a:p>
-                  </a:txBody>
-                  <a:tcPr marL="91425" marR="91425" marT="68575" marB="68575" anchor="ctr">
-                    <a:lnL w="9525" cap="flat" cmpd="sng">
-                      <a:solidFill>
-                        <a:srgbClr val="BDCDD1"/>
-                      </a:solidFill>
-                      <a:prstDash val="solid"/>
-                      <a:round/>
-                      <a:headEnd type="none" w="sm" len="sm"/>
-                      <a:tailEnd type="none" w="sm" len="sm"/>
-                    </a:lnL>
-                    <a:lnR w="9525" cap="flat" cmpd="sng">
-                      <a:solidFill>
-                        <a:srgbClr val="BDCDD1"/>
-                      </a:solidFill>
-                      <a:prstDash val="solid"/>
-                      <a:round/>
-                      <a:headEnd type="none" w="sm" len="sm"/>
-                      <a:tailEnd type="none" w="sm" len="sm"/>
-                    </a:lnR>
-                    <a:lnT w="9525" cap="flat" cmpd="sng">
-                      <a:solidFill>
-                        <a:srgbClr val="BDCDD1"/>
-                      </a:solidFill>
-                      <a:prstDash val="solid"/>
-                      <a:round/>
-                      <a:headEnd type="none" w="sm" len="sm"/>
-                      <a:tailEnd type="none" w="sm" len="sm"/>
-                    </a:lnT>
-                    <a:lnB w="9525" cap="flat" cmpd="sng">
-                      <a:solidFill>
-                        <a:srgbClr val="BDCDD1"/>
-                      </a:solidFill>
-                      <a:prstDash val="dash"/>
-                      <a:round/>
-                      <a:headEnd type="none" w="sm" len="sm"/>
-                      <a:tailEnd type="none" w="sm" len="sm"/>
-                    </a:lnB>
-                  </a:tcPr>
-                </a:tc>
-                <a:extLst>
-                  <a:ext uri="{0D108BD9-81ED-4DB2-BD59-A6C34878D82A}">
-                    <a16:rowId xmlns:a16="http://schemas.microsoft.com/office/drawing/2014/main" val="10001"/>
-                  </a:ext>
-                </a:extLst>
-              </a:tr>
-              <a:tr h="469150">
-                <a:tc>
-                  <a:txBody>
-                    <a:bodyPr/>
-                    <a:lstStyle/>
-                    <a:p>
-                      <a:pPr marL="0" lvl="0" indent="0" algn="ctr" rtl="0">
-                        <a:spcBef>
-                          <a:spcPts val="0"/>
-                        </a:spcBef>
-                        <a:spcAft>
-                          <a:spcPts val="0"/>
-                        </a:spcAft>
-                        <a:buNone/>
-                      </a:pPr>
-                      <a:r>
-                        <a:rPr lang="es">
-                          <a:solidFill>
-                            <a:srgbClr val="FFFFFF"/>
-                          </a:solidFill>
-                          <a:latin typeface="Oswald"/>
-                          <a:ea typeface="Oswald"/>
-                          <a:cs typeface="Oswald"/>
-                          <a:sym typeface="Oswald"/>
-                        </a:rPr>
-                        <a:t>Chevrolet</a:t>
-                      </a:r>
-                      <a:endParaRPr>
-                        <a:solidFill>
-                          <a:srgbClr val="FFFFFF"/>
-                        </a:solidFill>
-                        <a:latin typeface="Oswald"/>
-                        <a:ea typeface="Oswald"/>
-                        <a:cs typeface="Oswald"/>
-                        <a:sym typeface="Oswald"/>
-                      </a:endParaRPr>
-                    </a:p>
-                  </a:txBody>
-                  <a:tcPr marL="91425" marR="91425" marT="68575" marB="68575" anchor="ctr">
-                    <a:lnL w="9525" cap="flat" cmpd="sng">
-                      <a:solidFill>
-                        <a:srgbClr val="BDCDD1"/>
-                      </a:solidFill>
-                      <a:prstDash val="solid"/>
-                      <a:round/>
-                      <a:headEnd type="none" w="sm" len="sm"/>
-                      <a:tailEnd type="none" w="sm" len="sm"/>
-                    </a:lnL>
-                    <a:lnR w="9525" cap="flat" cmpd="sng">
-                      <a:solidFill>
-                        <a:srgbClr val="BDCDD1"/>
-                      </a:solidFill>
-                      <a:prstDash val="solid"/>
-                      <a:round/>
-                      <a:headEnd type="none" w="sm" len="sm"/>
-                      <a:tailEnd type="none" w="sm" len="sm"/>
-                    </a:lnR>
-                    <a:lnT w="9525" cap="flat" cmpd="sng">
-                      <a:solidFill>
-                        <a:srgbClr val="BDCDD1"/>
-                      </a:solidFill>
-                      <a:prstDash val="solid"/>
-                      <a:round/>
-                      <a:headEnd type="none" w="sm" len="sm"/>
-                      <a:tailEnd type="none" w="sm" len="sm"/>
-                    </a:lnT>
-                    <a:lnB w="9525" cap="flat" cmpd="sng">
-                      <a:solidFill>
-                        <a:srgbClr val="BDCDD1"/>
-                      </a:solidFill>
-                      <a:prstDash val="solid"/>
-                      <a:round/>
-                      <a:headEnd type="none" w="sm" len="sm"/>
-                      <a:tailEnd type="none" w="sm" len="sm"/>
-                    </a:lnB>
-                    <a:solidFill>
-                      <a:schemeClr val="accent5"/>
-                    </a:solidFill>
-                  </a:tcPr>
-                </a:tc>
-                <a:tc>
-                  <a:txBody>
-                    <a:bodyPr/>
-                    <a:lstStyle/>
-                    <a:p>
-                      <a:pPr marL="0" lvl="0" indent="0" algn="ctr" rtl="0">
-                        <a:spcBef>
-                          <a:spcPts val="0"/>
-                        </a:spcBef>
-                        <a:spcAft>
-                          <a:spcPts val="0"/>
-                        </a:spcAft>
-                        <a:buNone/>
-                      </a:pPr>
-                      <a:r>
-                        <a:rPr lang="es" sz="1800">
-                          <a:solidFill>
-                            <a:srgbClr val="2E707B"/>
-                          </a:solidFill>
-                          <a:latin typeface="Source Sans Pro"/>
-                          <a:ea typeface="Source Sans Pro"/>
-                          <a:cs typeface="Source Sans Pro"/>
-                          <a:sym typeface="Source Sans Pro"/>
-                        </a:rPr>
-                        <a:t>11,316</a:t>
-                      </a:r>
-                      <a:endParaRPr sz="1800">
-                        <a:solidFill>
-                          <a:srgbClr val="2E707B"/>
-                        </a:solidFill>
-                        <a:latin typeface="Source Sans Pro"/>
-                        <a:ea typeface="Source Sans Pro"/>
-                        <a:cs typeface="Source Sans Pro"/>
-                        <a:sym typeface="Source Sans Pro"/>
-                      </a:endParaRPr>
-                    </a:p>
-                  </a:txBody>
-                  <a:tcPr marL="91425" marR="91425" marT="68575" marB="68575" anchor="ctr">
-                    <a:lnL w="9525" cap="flat" cmpd="sng">
-                      <a:solidFill>
-                        <a:srgbClr val="BDCDD1"/>
-                      </a:solidFill>
-                      <a:prstDash val="solid"/>
-                      <a:round/>
-                      <a:headEnd type="none" w="sm" len="sm"/>
-                      <a:tailEnd type="none" w="sm" len="sm"/>
-                    </a:lnL>
-                    <a:lnR w="9525" cap="flat" cmpd="sng">
-                      <a:solidFill>
-                        <a:srgbClr val="BDCDD1"/>
-                      </a:solidFill>
-                      <a:prstDash val="solid"/>
-                      <a:round/>
-                      <a:headEnd type="none" w="sm" len="sm"/>
-                      <a:tailEnd type="none" w="sm" len="sm"/>
-                    </a:lnR>
-                    <a:lnT w="9525" cap="flat" cmpd="sng">
-                      <a:solidFill>
-                        <a:srgbClr val="BDCDD1"/>
-                      </a:solidFill>
-                      <a:prstDash val="dash"/>
-                      <a:round/>
-                      <a:headEnd type="none" w="sm" len="sm"/>
-                      <a:tailEnd type="none" w="sm" len="sm"/>
-                    </a:lnT>
-                    <a:lnB w="9525" cap="flat" cmpd="sng">
-                      <a:solidFill>
-                        <a:srgbClr val="BDCDD1"/>
-                      </a:solidFill>
-                      <a:prstDash val="dash"/>
-                      <a:round/>
-                      <a:headEnd type="none" w="sm" len="sm"/>
-                      <a:tailEnd type="none" w="sm" len="sm"/>
-                    </a:lnB>
-                  </a:tcPr>
-                </a:tc>
-                <a:extLst>
-                  <a:ext uri="{0D108BD9-81ED-4DB2-BD59-A6C34878D82A}">
-                    <a16:rowId xmlns:a16="http://schemas.microsoft.com/office/drawing/2014/main" val="10002"/>
-                  </a:ext>
-                </a:extLst>
-              </a:tr>
-              <a:tr h="469150">
-                <a:tc>
-                  <a:txBody>
-                    <a:bodyPr/>
-                    <a:lstStyle/>
-                    <a:p>
-                      <a:pPr marL="0" lvl="0" indent="0" algn="ctr" rtl="0">
-                        <a:spcBef>
-                          <a:spcPts val="0"/>
-                        </a:spcBef>
-                        <a:spcAft>
-                          <a:spcPts val="0"/>
-                        </a:spcAft>
-                        <a:buNone/>
-                      </a:pPr>
-                      <a:r>
-                        <a:rPr lang="es">
-                          <a:solidFill>
-                            <a:srgbClr val="FFFFFF"/>
-                          </a:solidFill>
-                          <a:latin typeface="Oswald"/>
-                          <a:ea typeface="Oswald"/>
-                          <a:cs typeface="Oswald"/>
-                          <a:sym typeface="Oswald"/>
-                        </a:rPr>
-                        <a:t>Toyota</a:t>
-                      </a:r>
-                      <a:endParaRPr>
-                        <a:solidFill>
-                          <a:srgbClr val="FFFFFF"/>
-                        </a:solidFill>
-                        <a:latin typeface="Oswald"/>
-                        <a:ea typeface="Oswald"/>
-                        <a:cs typeface="Oswald"/>
-                        <a:sym typeface="Oswald"/>
-                      </a:endParaRPr>
-                    </a:p>
-                  </a:txBody>
-                  <a:tcPr marL="91425" marR="91425" marT="68575" marB="68575" anchor="ctr">
-                    <a:lnL w="9525" cap="flat" cmpd="sng">
-                      <a:solidFill>
-                        <a:srgbClr val="BDCDD1"/>
-                      </a:solidFill>
-                      <a:prstDash val="solid"/>
-                      <a:round/>
-                      <a:headEnd type="none" w="sm" len="sm"/>
-                      <a:tailEnd type="none" w="sm" len="sm"/>
-                    </a:lnL>
-                    <a:lnR w="9525" cap="flat" cmpd="sng">
-                      <a:solidFill>
-                        <a:srgbClr val="BDCDD1"/>
-                      </a:solidFill>
-                      <a:prstDash val="solid"/>
-                      <a:round/>
-                      <a:headEnd type="none" w="sm" len="sm"/>
-                      <a:tailEnd type="none" w="sm" len="sm"/>
-                    </a:lnR>
-                    <a:lnT w="9525" cap="flat" cmpd="sng">
-                      <a:solidFill>
-                        <a:srgbClr val="BDCDD1"/>
-                      </a:solidFill>
-                      <a:prstDash val="solid"/>
-                      <a:round/>
-                      <a:headEnd type="none" w="sm" len="sm"/>
-                      <a:tailEnd type="none" w="sm" len="sm"/>
-                    </a:lnT>
-                    <a:lnB w="9525" cap="flat" cmpd="sng">
-                      <a:solidFill>
-                        <a:srgbClr val="BDCDD1"/>
-                      </a:solidFill>
-                      <a:prstDash val="solid"/>
-                      <a:round/>
-                      <a:headEnd type="none" w="sm" len="sm"/>
-                      <a:tailEnd type="none" w="sm" len="sm"/>
-                    </a:lnB>
-                    <a:solidFill>
-                      <a:schemeClr val="accent5"/>
-                    </a:solidFill>
-                  </a:tcPr>
-                </a:tc>
-                <a:tc>
-                  <a:txBody>
-                    <a:bodyPr/>
-                    <a:lstStyle/>
-                    <a:p>
-                      <a:pPr marL="0" lvl="0" indent="0" algn="ctr" rtl="0">
-                        <a:spcBef>
-                          <a:spcPts val="0"/>
-                        </a:spcBef>
-                        <a:spcAft>
-                          <a:spcPts val="0"/>
-                        </a:spcAft>
-                        <a:buNone/>
-                      </a:pPr>
-                      <a:r>
-                        <a:rPr lang="es" sz="1800">
-                          <a:solidFill>
-                            <a:srgbClr val="2E707B"/>
-                          </a:solidFill>
-                          <a:latin typeface="Source Sans Pro"/>
-                          <a:ea typeface="Source Sans Pro"/>
-                          <a:cs typeface="Source Sans Pro"/>
-                          <a:sym typeface="Source Sans Pro"/>
-                        </a:rPr>
-                        <a:t>8,554</a:t>
-                      </a:r>
-                      <a:endParaRPr sz="1800">
-                        <a:solidFill>
-                          <a:srgbClr val="2E707B"/>
-                        </a:solidFill>
-                        <a:latin typeface="Source Sans Pro"/>
-                        <a:ea typeface="Source Sans Pro"/>
-                        <a:cs typeface="Source Sans Pro"/>
-                        <a:sym typeface="Source Sans Pro"/>
-                      </a:endParaRPr>
-                    </a:p>
-                  </a:txBody>
-                  <a:tcPr marL="91425" marR="91425" marT="68575" marB="68575" anchor="ctr">
-                    <a:lnL w="9525" cap="flat" cmpd="sng">
-                      <a:solidFill>
-                        <a:srgbClr val="BDCDD1"/>
-                      </a:solidFill>
-                      <a:prstDash val="solid"/>
-                      <a:round/>
-                      <a:headEnd type="none" w="sm" len="sm"/>
-                      <a:tailEnd type="none" w="sm" len="sm"/>
-                    </a:lnL>
-                    <a:lnR w="9525" cap="flat" cmpd="sng">
-                      <a:solidFill>
-                        <a:srgbClr val="BDCDD1"/>
-                      </a:solidFill>
-                      <a:prstDash val="solid"/>
-                      <a:round/>
-                      <a:headEnd type="none" w="sm" len="sm"/>
-                      <a:tailEnd type="none" w="sm" len="sm"/>
-                    </a:lnR>
-                    <a:lnT w="9525" cap="flat" cmpd="sng">
-                      <a:solidFill>
-                        <a:srgbClr val="BDCDD1"/>
-                      </a:solidFill>
-                      <a:prstDash val="dash"/>
-                      <a:round/>
-                      <a:headEnd type="none" w="sm" len="sm"/>
-                      <a:tailEnd type="none" w="sm" len="sm"/>
-                    </a:lnT>
-                    <a:lnB w="9525" cap="flat" cmpd="sng">
-                      <a:solidFill>
-                        <a:srgbClr val="BDCDD1"/>
-                      </a:solidFill>
-                      <a:prstDash val="dash"/>
-                      <a:round/>
-                      <a:headEnd type="none" w="sm" len="sm"/>
-                      <a:tailEnd type="none" w="sm" len="sm"/>
-                    </a:lnB>
-                  </a:tcPr>
-                </a:tc>
-                <a:extLst>
-                  <a:ext uri="{0D108BD9-81ED-4DB2-BD59-A6C34878D82A}">
-                    <a16:rowId xmlns:a16="http://schemas.microsoft.com/office/drawing/2014/main" val="10003"/>
-                  </a:ext>
-                </a:extLst>
-              </a:tr>
-              <a:tr h="469150">
-                <a:tc>
-                  <a:txBody>
-                    <a:bodyPr/>
-                    <a:lstStyle/>
-                    <a:p>
-                      <a:pPr marL="0" lvl="0" indent="0" algn="ctr" rtl="0">
-                        <a:spcBef>
-                          <a:spcPts val="0"/>
-                        </a:spcBef>
-                        <a:spcAft>
-                          <a:spcPts val="0"/>
-                        </a:spcAft>
-                        <a:buNone/>
-                      </a:pPr>
-                      <a:r>
-                        <a:rPr lang="es">
-                          <a:solidFill>
-                            <a:srgbClr val="FFFFFF"/>
-                          </a:solidFill>
-                          <a:latin typeface="Oswald"/>
-                          <a:ea typeface="Oswald"/>
-                          <a:cs typeface="Oswald"/>
-                          <a:sym typeface="Oswald"/>
-                        </a:rPr>
-                        <a:t>Honda</a:t>
-                      </a:r>
-                      <a:endParaRPr>
-                        <a:solidFill>
-                          <a:srgbClr val="FFFFFF"/>
-                        </a:solidFill>
-                        <a:latin typeface="Oswald"/>
-                        <a:ea typeface="Oswald"/>
-                        <a:cs typeface="Oswald"/>
-                        <a:sym typeface="Oswald"/>
-                      </a:endParaRPr>
-                    </a:p>
-                  </a:txBody>
-                  <a:tcPr marL="91425" marR="91425" marT="68575" marB="68575" anchor="ctr">
-                    <a:lnL w="9525" cap="flat" cmpd="sng">
-                      <a:solidFill>
-                        <a:srgbClr val="BDCDD1"/>
-                      </a:solidFill>
-                      <a:prstDash val="solid"/>
-                      <a:round/>
-                      <a:headEnd type="none" w="sm" len="sm"/>
-                      <a:tailEnd type="none" w="sm" len="sm"/>
-                    </a:lnL>
-                    <a:lnR w="9525" cap="flat" cmpd="sng">
-                      <a:solidFill>
-                        <a:srgbClr val="BDCDD1"/>
-                      </a:solidFill>
-                      <a:prstDash val="solid"/>
-                      <a:round/>
-                      <a:headEnd type="none" w="sm" len="sm"/>
-                      <a:tailEnd type="none" w="sm" len="sm"/>
-                    </a:lnR>
-                    <a:lnT w="9525" cap="flat" cmpd="sng">
-                      <a:solidFill>
-                        <a:srgbClr val="BDCDD1"/>
-                      </a:solidFill>
-                      <a:prstDash val="solid"/>
-                      <a:round/>
-                      <a:headEnd type="none" w="sm" len="sm"/>
-                      <a:tailEnd type="none" w="sm" len="sm"/>
-                    </a:lnT>
-                    <a:lnB w="9525" cap="flat" cmpd="sng">
-                      <a:solidFill>
-                        <a:srgbClr val="BDCDD1"/>
-                      </a:solidFill>
-                      <a:prstDash val="solid"/>
-                      <a:round/>
-                      <a:headEnd type="none" w="sm" len="sm"/>
-                      <a:tailEnd type="none" w="sm" len="sm"/>
-                    </a:lnB>
-                    <a:solidFill>
-                      <a:schemeClr val="accent5"/>
-                    </a:solidFill>
-                  </a:tcPr>
-                </a:tc>
-                <a:tc>
-                  <a:txBody>
-                    <a:bodyPr/>
-                    <a:lstStyle/>
-                    <a:p>
-                      <a:pPr marL="0" lvl="0" indent="0" algn="ctr" rtl="0">
-                        <a:spcBef>
-                          <a:spcPts val="0"/>
-                        </a:spcBef>
-                        <a:spcAft>
-                          <a:spcPts val="0"/>
-                        </a:spcAft>
-                        <a:buNone/>
-                      </a:pPr>
-                      <a:r>
-                        <a:rPr lang="es" sz="1800">
-                          <a:solidFill>
-                            <a:srgbClr val="2E707B"/>
-                          </a:solidFill>
-                          <a:latin typeface="Source Sans Pro"/>
-                          <a:ea typeface="Source Sans Pro"/>
-                          <a:cs typeface="Source Sans Pro"/>
-                          <a:sym typeface="Source Sans Pro"/>
-                        </a:rPr>
-                        <a:t>5,153</a:t>
-                      </a:r>
-                      <a:endParaRPr sz="1800">
-                        <a:solidFill>
-                          <a:srgbClr val="2E707B"/>
-                        </a:solidFill>
-                        <a:latin typeface="Source Sans Pro"/>
-                        <a:ea typeface="Source Sans Pro"/>
-                        <a:cs typeface="Source Sans Pro"/>
-                        <a:sym typeface="Source Sans Pro"/>
-                      </a:endParaRPr>
-                    </a:p>
-                  </a:txBody>
-                  <a:tcPr marL="91425" marR="91425" marT="68575" marB="68575" anchor="ctr">
-                    <a:lnL w="9525" cap="flat" cmpd="sng">
-                      <a:solidFill>
-                        <a:srgbClr val="BDCDD1"/>
-                      </a:solidFill>
-                      <a:prstDash val="solid"/>
-                      <a:round/>
-                      <a:headEnd type="none" w="sm" len="sm"/>
-                      <a:tailEnd type="none" w="sm" len="sm"/>
-                    </a:lnL>
-                    <a:lnR w="9525" cap="flat" cmpd="sng">
-                      <a:solidFill>
-                        <a:srgbClr val="BDCDD1"/>
-                      </a:solidFill>
-                      <a:prstDash val="solid"/>
-                      <a:round/>
-                      <a:headEnd type="none" w="sm" len="sm"/>
-                      <a:tailEnd type="none" w="sm" len="sm"/>
-                    </a:lnR>
-                    <a:lnT w="9525" cap="flat" cmpd="sng">
-                      <a:solidFill>
-                        <a:srgbClr val="BDCDD1"/>
-                      </a:solidFill>
-                      <a:prstDash val="dash"/>
-                      <a:round/>
-                      <a:headEnd type="none" w="sm" len="sm"/>
-                      <a:tailEnd type="none" w="sm" len="sm"/>
-                    </a:lnT>
-                    <a:lnB w="9525" cap="flat" cmpd="sng">
-                      <a:solidFill>
-                        <a:srgbClr val="BDCDD1"/>
-                      </a:solidFill>
-                      <a:prstDash val="dash"/>
-                      <a:round/>
-                      <a:headEnd type="none" w="sm" len="sm"/>
-                      <a:tailEnd type="none" w="sm" len="sm"/>
-                    </a:lnB>
-                  </a:tcPr>
-                </a:tc>
-                <a:extLst>
-                  <a:ext uri="{0D108BD9-81ED-4DB2-BD59-A6C34878D82A}">
-                    <a16:rowId xmlns:a16="http://schemas.microsoft.com/office/drawing/2014/main" val="10004"/>
-                  </a:ext>
-                </a:extLst>
-              </a:tr>
-              <a:tr h="469150">
-                <a:tc>
-                  <a:txBody>
-                    <a:bodyPr/>
-                    <a:lstStyle/>
-                    <a:p>
-                      <a:pPr marL="0" lvl="0" indent="0" algn="ctr" rtl="0">
-                        <a:spcBef>
-                          <a:spcPts val="0"/>
-                        </a:spcBef>
-                        <a:spcAft>
-                          <a:spcPts val="0"/>
-                        </a:spcAft>
-                        <a:buNone/>
-                      </a:pPr>
-                      <a:r>
-                        <a:rPr lang="es">
-                          <a:solidFill>
-                            <a:srgbClr val="FFFFFF"/>
-                          </a:solidFill>
-                          <a:latin typeface="Oswald"/>
-                          <a:ea typeface="Oswald"/>
-                          <a:cs typeface="Oswald"/>
-                          <a:sym typeface="Oswald"/>
-                        </a:rPr>
-                        <a:t>Jeep</a:t>
-                      </a:r>
-                      <a:endParaRPr>
-                        <a:solidFill>
-                          <a:srgbClr val="FFFFFF"/>
-                        </a:solidFill>
-                        <a:latin typeface="Oswald"/>
-                        <a:ea typeface="Oswald"/>
-                        <a:cs typeface="Oswald"/>
-                        <a:sym typeface="Oswald"/>
-                      </a:endParaRPr>
-                    </a:p>
-                  </a:txBody>
-                  <a:tcPr marL="91425" marR="91425" marT="68575" marB="68575" anchor="ctr">
-                    <a:lnL w="9525" cap="flat" cmpd="sng">
-                      <a:solidFill>
-                        <a:srgbClr val="BDCDD1"/>
-                      </a:solidFill>
-                      <a:prstDash val="solid"/>
-                      <a:round/>
-                      <a:headEnd type="none" w="sm" len="sm"/>
-                      <a:tailEnd type="none" w="sm" len="sm"/>
-                    </a:lnL>
-                    <a:lnR w="9525" cap="flat" cmpd="sng">
-                      <a:solidFill>
-                        <a:srgbClr val="BDCDD1"/>
-                      </a:solidFill>
-                      <a:prstDash val="solid"/>
-                      <a:round/>
-                      <a:headEnd type="none" w="sm" len="sm"/>
-                      <a:tailEnd type="none" w="sm" len="sm"/>
-                    </a:lnR>
-                    <a:lnT w="9525" cap="flat" cmpd="sng">
-                      <a:solidFill>
-                        <a:srgbClr val="BDCDD1"/>
-                      </a:solidFill>
-                      <a:prstDash val="solid"/>
-                      <a:round/>
-                      <a:headEnd type="none" w="sm" len="sm"/>
-                      <a:tailEnd type="none" w="sm" len="sm"/>
-                    </a:lnT>
-                    <a:lnB w="9525" cap="flat" cmpd="sng">
-                      <a:solidFill>
-                        <a:srgbClr val="BDCDD1"/>
-                      </a:solidFill>
-                      <a:prstDash val="solid"/>
-                      <a:round/>
-                      <a:headEnd type="none" w="sm" len="sm"/>
-                      <a:tailEnd type="none" w="sm" len="sm"/>
-                    </a:lnB>
-                    <a:solidFill>
-                      <a:schemeClr val="accent5"/>
-                    </a:solidFill>
-                  </a:tcPr>
-                </a:tc>
-                <a:tc>
-                  <a:txBody>
-                    <a:bodyPr/>
-                    <a:lstStyle/>
-                    <a:p>
-                      <a:pPr marL="0" lvl="0" indent="0" algn="ctr" rtl="0">
-                        <a:spcBef>
-                          <a:spcPts val="0"/>
-                        </a:spcBef>
-                        <a:spcAft>
-                          <a:spcPts val="0"/>
-                        </a:spcAft>
-                        <a:buNone/>
-                      </a:pPr>
-                      <a:r>
-                        <a:rPr lang="es" sz="1800">
-                          <a:solidFill>
-                            <a:srgbClr val="2E707B"/>
-                          </a:solidFill>
-                          <a:latin typeface="Source Sans Pro"/>
-                          <a:ea typeface="Source Sans Pro"/>
-                          <a:cs typeface="Source Sans Pro"/>
-                          <a:sym typeface="Source Sans Pro"/>
-                        </a:rPr>
-                        <a:t>4,771</a:t>
-                      </a:r>
-                      <a:endParaRPr sz="1800">
-                        <a:solidFill>
-                          <a:srgbClr val="2E707B"/>
-                        </a:solidFill>
-                        <a:latin typeface="Source Sans Pro"/>
-                        <a:ea typeface="Source Sans Pro"/>
-                        <a:cs typeface="Source Sans Pro"/>
-                        <a:sym typeface="Source Sans Pro"/>
-                      </a:endParaRPr>
-                    </a:p>
-                  </a:txBody>
-                  <a:tcPr marL="91425" marR="91425" marT="68575" marB="68575" anchor="ctr">
-                    <a:lnL w="9525" cap="flat" cmpd="sng">
-                      <a:solidFill>
-                        <a:srgbClr val="BDCDD1"/>
-                      </a:solidFill>
-                      <a:prstDash val="solid"/>
-                      <a:round/>
-                      <a:headEnd type="none" w="sm" len="sm"/>
-                      <a:tailEnd type="none" w="sm" len="sm"/>
-                    </a:lnL>
-                    <a:lnR w="9525" cap="flat" cmpd="sng">
-                      <a:solidFill>
-                        <a:srgbClr val="BDCDD1"/>
-                      </a:solidFill>
-                      <a:prstDash val="solid"/>
-                      <a:round/>
-                      <a:headEnd type="none" w="sm" len="sm"/>
-                      <a:tailEnd type="none" w="sm" len="sm"/>
-                    </a:lnR>
-                    <a:lnT w="9525" cap="flat" cmpd="sng">
-                      <a:solidFill>
-                        <a:srgbClr val="BDCDD1"/>
-                      </a:solidFill>
-                      <a:prstDash val="dash"/>
-                      <a:round/>
-                      <a:headEnd type="none" w="sm" len="sm"/>
-                      <a:tailEnd type="none" w="sm" len="sm"/>
-                    </a:lnT>
-                    <a:lnB w="9525" cap="flat" cmpd="sng">
-                      <a:solidFill>
-                        <a:srgbClr val="BDCDD1"/>
-                      </a:solidFill>
-                      <a:prstDash val="dash"/>
-                      <a:round/>
-                      <a:headEnd type="none" w="sm" len="sm"/>
-                      <a:tailEnd type="none" w="sm" len="sm"/>
-                    </a:lnB>
-                  </a:tcPr>
-                </a:tc>
-                <a:extLst>
-                  <a:ext uri="{0D108BD9-81ED-4DB2-BD59-A6C34878D82A}">
-                    <a16:rowId xmlns:a16="http://schemas.microsoft.com/office/drawing/2014/main" val="10005"/>
-                  </a:ext>
-                </a:extLst>
-              </a:tr>
-              <a:tr h="469150">
-                <a:tc>
-                  <a:txBody>
-                    <a:bodyPr/>
-                    <a:lstStyle/>
-                    <a:p>
-                      <a:pPr marL="0" lvl="0" indent="0" algn="ctr" rtl="0">
-                        <a:spcBef>
-                          <a:spcPts val="0"/>
-                        </a:spcBef>
-                        <a:spcAft>
-                          <a:spcPts val="0"/>
-                        </a:spcAft>
-                        <a:buNone/>
-                      </a:pPr>
-                      <a:r>
-                        <a:rPr lang="es">
-                          <a:solidFill>
-                            <a:srgbClr val="FFFFFF"/>
-                          </a:solidFill>
-                          <a:latin typeface="Oswald"/>
-                          <a:ea typeface="Oswald"/>
-                          <a:cs typeface="Oswald"/>
-                          <a:sym typeface="Oswald"/>
-                        </a:rPr>
-                        <a:t>Nissan</a:t>
-                      </a:r>
-                      <a:endParaRPr>
-                        <a:solidFill>
-                          <a:srgbClr val="FFFFFF"/>
-                        </a:solidFill>
-                        <a:latin typeface="Oswald"/>
-                        <a:ea typeface="Oswald"/>
-                        <a:cs typeface="Oswald"/>
-                        <a:sym typeface="Oswald"/>
-                      </a:endParaRPr>
-                    </a:p>
-                  </a:txBody>
-                  <a:tcPr marL="91425" marR="91425" marT="68575" marB="68575" anchor="ctr">
-                    <a:lnL w="9525" cap="flat" cmpd="sng">
-                      <a:solidFill>
-                        <a:srgbClr val="BDCDD1"/>
-                      </a:solidFill>
-                      <a:prstDash val="solid"/>
-                      <a:round/>
-                      <a:headEnd type="none" w="sm" len="sm"/>
-                      <a:tailEnd type="none" w="sm" len="sm"/>
-                    </a:lnL>
-                    <a:lnR w="9525" cap="flat" cmpd="sng">
-                      <a:solidFill>
-                        <a:srgbClr val="BDCDD1"/>
-                      </a:solidFill>
-                      <a:prstDash val="solid"/>
-                      <a:round/>
-                      <a:headEnd type="none" w="sm" len="sm"/>
-                      <a:tailEnd type="none" w="sm" len="sm"/>
-                    </a:lnR>
-                    <a:lnT w="9525" cap="flat" cmpd="sng">
-                      <a:solidFill>
-                        <a:srgbClr val="BDCDD1"/>
-                      </a:solidFill>
-                      <a:prstDash val="solid"/>
-                      <a:round/>
-                      <a:headEnd type="none" w="sm" len="sm"/>
-                      <a:tailEnd type="none" w="sm" len="sm"/>
-                    </a:lnT>
-                    <a:lnB w="9525" cap="flat" cmpd="sng">
-                      <a:solidFill>
-                        <a:srgbClr val="BDCDD1"/>
-                      </a:solidFill>
-                      <a:prstDash val="solid"/>
-                      <a:round/>
-                      <a:headEnd type="none" w="sm" len="sm"/>
-                      <a:tailEnd type="none" w="sm" len="sm"/>
-                    </a:lnB>
-                    <a:solidFill>
-                      <a:schemeClr val="accent5"/>
-                    </a:solidFill>
-                  </a:tcPr>
-                </a:tc>
-                <a:tc>
-                  <a:txBody>
-                    <a:bodyPr/>
-                    <a:lstStyle/>
-                    <a:p>
-                      <a:pPr marL="0" lvl="0" indent="0" algn="ctr" rtl="0">
-                        <a:spcBef>
-                          <a:spcPts val="0"/>
-                        </a:spcBef>
-                        <a:spcAft>
-                          <a:spcPts val="0"/>
-                        </a:spcAft>
-                        <a:buNone/>
-                      </a:pPr>
-                      <a:r>
-                        <a:rPr lang="es" sz="1800">
-                          <a:solidFill>
-                            <a:srgbClr val="2E707B"/>
-                          </a:solidFill>
-                          <a:latin typeface="Source Sans Pro"/>
-                          <a:ea typeface="Source Sans Pro"/>
-                          <a:cs typeface="Source Sans Pro"/>
-                          <a:sym typeface="Source Sans Pro"/>
-                        </a:rPr>
-                        <a:t>4,535</a:t>
-                      </a:r>
-                      <a:endParaRPr sz="1800">
-                        <a:solidFill>
-                          <a:srgbClr val="2E707B"/>
-                        </a:solidFill>
-                        <a:latin typeface="Source Sans Pro"/>
-                        <a:ea typeface="Source Sans Pro"/>
-                        <a:cs typeface="Source Sans Pro"/>
-                        <a:sym typeface="Source Sans Pro"/>
-                      </a:endParaRPr>
-                    </a:p>
-                  </a:txBody>
-                  <a:tcPr marL="91425" marR="91425" marT="68575" marB="68575" anchor="ctr">
-                    <a:lnL w="9525" cap="flat" cmpd="sng">
-                      <a:solidFill>
-                        <a:srgbClr val="BDCDD1"/>
-                      </a:solidFill>
-                      <a:prstDash val="solid"/>
-                      <a:round/>
-                      <a:headEnd type="none" w="sm" len="sm"/>
-                      <a:tailEnd type="none" w="sm" len="sm"/>
-                    </a:lnL>
-                    <a:lnR w="9525" cap="flat" cmpd="sng">
-                      <a:solidFill>
-                        <a:srgbClr val="BDCDD1"/>
-                      </a:solidFill>
-                      <a:prstDash val="solid"/>
-                      <a:round/>
-                      <a:headEnd type="none" w="sm" len="sm"/>
-                      <a:tailEnd type="none" w="sm" len="sm"/>
-                    </a:lnR>
-                    <a:lnT w="9525" cap="flat" cmpd="sng">
-                      <a:solidFill>
-                        <a:srgbClr val="BDCDD1"/>
-                      </a:solidFill>
-                      <a:prstDash val="dash"/>
-                      <a:round/>
-                      <a:headEnd type="none" w="sm" len="sm"/>
-                      <a:tailEnd type="none" w="sm" len="sm"/>
-                    </a:lnT>
-                    <a:lnB w="9525" cap="flat" cmpd="sng">
-                      <a:solidFill>
-                        <a:srgbClr val="BDCDD1"/>
-                      </a:solidFill>
-                      <a:prstDash val="dash"/>
-                      <a:round/>
-                      <a:headEnd type="none" w="sm" len="sm"/>
-                      <a:tailEnd type="none" w="sm" len="sm"/>
-                    </a:lnB>
-                  </a:tcPr>
-                </a:tc>
-                <a:extLst>
-                  <a:ext uri="{0D108BD9-81ED-4DB2-BD59-A6C34878D82A}">
-                    <a16:rowId xmlns:a16="http://schemas.microsoft.com/office/drawing/2014/main" val="10006"/>
-                  </a:ext>
-                </a:extLst>
-              </a:tr>
-              <a:tr h="469150">
-                <a:tc>
-                  <a:txBody>
-                    <a:bodyPr/>
-                    <a:lstStyle/>
-                    <a:p>
-                      <a:pPr marL="0" lvl="0" indent="0" algn="ctr" rtl="0">
-                        <a:spcBef>
-                          <a:spcPts val="0"/>
-                        </a:spcBef>
-                        <a:spcAft>
-                          <a:spcPts val="0"/>
-                        </a:spcAft>
-                        <a:buNone/>
-                      </a:pPr>
-                      <a:r>
-                        <a:rPr lang="es">
-                          <a:solidFill>
-                            <a:srgbClr val="FFFFFF"/>
-                          </a:solidFill>
-                          <a:latin typeface="Oswald"/>
-                          <a:ea typeface="Oswald"/>
-                          <a:cs typeface="Oswald"/>
-                          <a:sym typeface="Oswald"/>
-                        </a:rPr>
-                        <a:t>GMC</a:t>
-                      </a:r>
-                      <a:endParaRPr>
-                        <a:solidFill>
-                          <a:srgbClr val="FFFFFF"/>
-                        </a:solidFill>
-                        <a:latin typeface="Oswald"/>
-                        <a:ea typeface="Oswald"/>
-                        <a:cs typeface="Oswald"/>
-                        <a:sym typeface="Oswald"/>
-                      </a:endParaRPr>
-                    </a:p>
-                  </a:txBody>
-                  <a:tcPr marL="91425" marR="91425" marT="68575" marB="68575" anchor="ctr">
-                    <a:lnL w="9525" cap="flat" cmpd="sng">
-                      <a:solidFill>
-                        <a:srgbClr val="BDCDD1"/>
-                      </a:solidFill>
-                      <a:prstDash val="solid"/>
-                      <a:round/>
-                      <a:headEnd type="none" w="sm" len="sm"/>
-                      <a:tailEnd type="none" w="sm" len="sm"/>
-                    </a:lnL>
-                    <a:lnR w="9525" cap="flat" cmpd="sng">
-                      <a:solidFill>
-                        <a:srgbClr val="BDCDD1"/>
-                      </a:solidFill>
-                      <a:prstDash val="solid"/>
-                      <a:round/>
-                      <a:headEnd type="none" w="sm" len="sm"/>
-                      <a:tailEnd type="none" w="sm" len="sm"/>
-                    </a:lnR>
-                    <a:lnT w="9525" cap="flat" cmpd="sng">
-                      <a:solidFill>
-                        <a:srgbClr val="BDCDD1"/>
-                      </a:solidFill>
-                      <a:prstDash val="solid"/>
-                      <a:round/>
-                      <a:headEnd type="none" w="sm" len="sm"/>
-                      <a:tailEnd type="none" w="sm" len="sm"/>
-                    </a:lnT>
-                    <a:lnB w="9525" cap="flat" cmpd="sng">
-                      <a:solidFill>
-                        <a:srgbClr val="BDCDD1"/>
-                      </a:solidFill>
-                      <a:prstDash val="solid"/>
-                      <a:round/>
-                      <a:headEnd type="none" w="sm" len="sm"/>
-                      <a:tailEnd type="none" w="sm" len="sm"/>
-                    </a:lnB>
-                    <a:solidFill>
-                      <a:schemeClr val="accent5"/>
-                    </a:solidFill>
-                  </a:tcPr>
-                </a:tc>
-                <a:tc>
-                  <a:txBody>
-                    <a:bodyPr/>
-                    <a:lstStyle/>
-                    <a:p>
-                      <a:pPr marL="0" lvl="0" indent="0" algn="ctr" rtl="0">
-                        <a:spcBef>
-                          <a:spcPts val="0"/>
-                        </a:spcBef>
-                        <a:spcAft>
-                          <a:spcPts val="0"/>
-                        </a:spcAft>
-                        <a:buNone/>
-                      </a:pPr>
-                      <a:r>
-                        <a:rPr lang="es" sz="1800">
-                          <a:solidFill>
-                            <a:srgbClr val="2E707B"/>
-                          </a:solidFill>
-                          <a:latin typeface="Source Sans Pro"/>
-                          <a:ea typeface="Source Sans Pro"/>
-                          <a:cs typeface="Source Sans Pro"/>
-                          <a:sym typeface="Source Sans Pro"/>
-                        </a:rPr>
-                        <a:t>3,885</a:t>
-                      </a:r>
-                      <a:endParaRPr sz="1800">
-                        <a:solidFill>
-                          <a:srgbClr val="2E707B"/>
-                        </a:solidFill>
-                        <a:latin typeface="Source Sans Pro"/>
-                        <a:ea typeface="Source Sans Pro"/>
-                        <a:cs typeface="Source Sans Pro"/>
-                        <a:sym typeface="Source Sans Pro"/>
-                      </a:endParaRPr>
-                    </a:p>
-                  </a:txBody>
-                  <a:tcPr marL="91425" marR="91425" marT="68575" marB="68575" anchor="ctr">
-                    <a:lnL w="9525" cap="flat" cmpd="sng">
-                      <a:solidFill>
-                        <a:srgbClr val="BDCDD1"/>
-                      </a:solidFill>
-                      <a:prstDash val="solid"/>
-                      <a:round/>
-                      <a:headEnd type="none" w="sm" len="sm"/>
-                      <a:tailEnd type="none" w="sm" len="sm"/>
-                    </a:lnL>
-                    <a:lnR w="9525" cap="flat" cmpd="sng">
-                      <a:solidFill>
-                        <a:srgbClr val="BDCDD1"/>
-                      </a:solidFill>
-                      <a:prstDash val="solid"/>
-                      <a:round/>
-                      <a:headEnd type="none" w="sm" len="sm"/>
-                      <a:tailEnd type="none" w="sm" len="sm"/>
-                    </a:lnR>
-                    <a:lnT w="9525" cap="flat" cmpd="sng">
-                      <a:solidFill>
-                        <a:srgbClr val="BDCDD1"/>
-                      </a:solidFill>
-                      <a:prstDash val="dash"/>
-                      <a:round/>
-                      <a:headEnd type="none" w="sm" len="sm"/>
-                      <a:tailEnd type="none" w="sm" len="sm"/>
-                    </a:lnT>
-                    <a:lnB w="9525" cap="flat" cmpd="sng">
-                      <a:solidFill>
-                        <a:srgbClr val="BDCDD1"/>
-                      </a:solidFill>
-                      <a:prstDash val="dash"/>
-                      <a:round/>
-                      <a:headEnd type="none" w="sm" len="sm"/>
-                      <a:tailEnd type="none" w="sm" len="sm"/>
-                    </a:lnB>
-                  </a:tcPr>
-                </a:tc>
-                <a:extLst>
-                  <a:ext uri="{0D108BD9-81ED-4DB2-BD59-A6C34878D82A}">
-                    <a16:rowId xmlns:a16="http://schemas.microsoft.com/office/drawing/2014/main" val="10007"/>
-                  </a:ext>
-                </a:extLst>
-              </a:tr>
-              <a:tr h="469150">
-                <a:tc>
-                  <a:txBody>
-                    <a:bodyPr/>
-                    <a:lstStyle/>
-                    <a:p>
-                      <a:pPr marL="0" lvl="0" indent="0" algn="ctr" rtl="0">
-                        <a:spcBef>
-                          <a:spcPts val="0"/>
-                        </a:spcBef>
-                        <a:spcAft>
-                          <a:spcPts val="0"/>
-                        </a:spcAft>
-                        <a:buNone/>
-                      </a:pPr>
-                      <a:r>
-                        <a:rPr lang="es">
-                          <a:solidFill>
-                            <a:srgbClr val="FFFFFF"/>
-                          </a:solidFill>
-                          <a:latin typeface="Oswald"/>
-                          <a:ea typeface="Oswald"/>
-                          <a:cs typeface="Oswald"/>
-                          <a:sym typeface="Oswald"/>
-                        </a:rPr>
-                        <a:t>Ram</a:t>
-                      </a:r>
-                      <a:endParaRPr>
-                        <a:solidFill>
-                          <a:srgbClr val="FFFFFF"/>
-                        </a:solidFill>
-                        <a:latin typeface="Oswald"/>
-                        <a:ea typeface="Oswald"/>
-                        <a:cs typeface="Oswald"/>
-                        <a:sym typeface="Oswald"/>
-                      </a:endParaRPr>
-                    </a:p>
-                  </a:txBody>
-                  <a:tcPr marL="91425" marR="91425" marT="68575" marB="68575" anchor="ctr">
-                    <a:lnL w="9525" cap="flat" cmpd="sng">
-                      <a:solidFill>
-                        <a:srgbClr val="BDCDD1"/>
-                      </a:solidFill>
-                      <a:prstDash val="solid"/>
-                      <a:round/>
-                      <a:headEnd type="none" w="sm" len="sm"/>
-                      <a:tailEnd type="none" w="sm" len="sm"/>
-                    </a:lnL>
-                    <a:lnR w="9525" cap="flat" cmpd="sng">
-                      <a:solidFill>
-                        <a:srgbClr val="BDCDD1"/>
-                      </a:solidFill>
-                      <a:prstDash val="solid"/>
-                      <a:round/>
-                      <a:headEnd type="none" w="sm" len="sm"/>
-                      <a:tailEnd type="none" w="sm" len="sm"/>
-                    </a:lnR>
-                    <a:lnT w="9525" cap="flat" cmpd="sng">
-                      <a:solidFill>
-                        <a:srgbClr val="BDCDD1"/>
-                      </a:solidFill>
-                      <a:prstDash val="solid"/>
-                      <a:round/>
-                      <a:headEnd type="none" w="sm" len="sm"/>
-                      <a:tailEnd type="none" w="sm" len="sm"/>
-                    </a:lnT>
-                    <a:lnB w="9525" cap="flat" cmpd="sng">
-                      <a:solidFill>
-                        <a:srgbClr val="BDCDD1"/>
-                      </a:solidFill>
-                      <a:prstDash val="solid"/>
-                      <a:round/>
-                      <a:headEnd type="none" w="sm" len="sm"/>
-                      <a:tailEnd type="none" w="sm" len="sm"/>
-                    </a:lnB>
-                    <a:solidFill>
-                      <a:schemeClr val="accent5"/>
-                    </a:solidFill>
-                  </a:tcPr>
-                </a:tc>
-                <a:tc>
-                  <a:txBody>
-                    <a:bodyPr/>
-                    <a:lstStyle/>
-                    <a:p>
-                      <a:pPr marL="0" lvl="0" indent="0" algn="ctr" rtl="0">
-                        <a:spcBef>
-                          <a:spcPts val="0"/>
-                        </a:spcBef>
-                        <a:spcAft>
-                          <a:spcPts val="0"/>
-                        </a:spcAft>
-                        <a:buNone/>
-                      </a:pPr>
-                      <a:r>
-                        <a:rPr lang="es" sz="1800">
-                          <a:solidFill>
-                            <a:srgbClr val="2E707B"/>
-                          </a:solidFill>
-                          <a:latin typeface="Source Sans Pro"/>
-                          <a:ea typeface="Source Sans Pro"/>
-                          <a:cs typeface="Source Sans Pro"/>
-                          <a:sym typeface="Source Sans Pro"/>
-                        </a:rPr>
-                        <a:t>3,468</a:t>
-                      </a:r>
-                      <a:endParaRPr sz="1800">
-                        <a:solidFill>
-                          <a:srgbClr val="2E707B"/>
-                        </a:solidFill>
-                        <a:latin typeface="Source Sans Pro"/>
-                        <a:ea typeface="Source Sans Pro"/>
-                        <a:cs typeface="Source Sans Pro"/>
-                        <a:sym typeface="Source Sans Pro"/>
-                      </a:endParaRPr>
-                    </a:p>
-                  </a:txBody>
-                  <a:tcPr marL="91425" marR="91425" marT="68575" marB="68575" anchor="ctr">
-                    <a:lnL w="9525" cap="flat" cmpd="sng">
-                      <a:solidFill>
-                        <a:srgbClr val="BDCDD1"/>
-                      </a:solidFill>
-                      <a:prstDash val="solid"/>
-                      <a:round/>
-                      <a:headEnd type="none" w="sm" len="sm"/>
-                      <a:tailEnd type="none" w="sm" len="sm"/>
-                    </a:lnL>
-                    <a:lnR w="9525" cap="flat" cmpd="sng">
-                      <a:solidFill>
-                        <a:srgbClr val="BDCDD1"/>
-                      </a:solidFill>
-                      <a:prstDash val="solid"/>
-                      <a:round/>
-                      <a:headEnd type="none" w="sm" len="sm"/>
-                      <a:tailEnd type="none" w="sm" len="sm"/>
-                    </a:lnR>
-                    <a:lnT w="9525" cap="flat" cmpd="sng">
-                      <a:solidFill>
-                        <a:srgbClr val="BDCDD1"/>
-                      </a:solidFill>
-                      <a:prstDash val="dash"/>
-                      <a:round/>
-                      <a:headEnd type="none" w="sm" len="sm"/>
-                      <a:tailEnd type="none" w="sm" len="sm"/>
-                    </a:lnT>
-                    <a:lnB w="9525" cap="flat" cmpd="sng">
-                      <a:solidFill>
-                        <a:srgbClr val="BDCDD1"/>
-                      </a:solidFill>
-                      <a:prstDash val="dash"/>
-                      <a:round/>
-                      <a:headEnd type="none" w="sm" len="sm"/>
-                      <a:tailEnd type="none" w="sm" len="sm"/>
-                    </a:lnB>
-                  </a:tcPr>
-                </a:tc>
-                <a:extLst>
-                  <a:ext uri="{0D108BD9-81ED-4DB2-BD59-A6C34878D82A}">
-                    <a16:rowId xmlns:a16="http://schemas.microsoft.com/office/drawing/2014/main" val="10008"/>
-                  </a:ext>
-                </a:extLst>
-              </a:tr>
-              <a:tr h="469150">
-                <a:tc>
-                  <a:txBody>
-                    <a:bodyPr/>
-                    <a:lstStyle/>
-                    <a:p>
-                      <a:pPr marL="0" lvl="0" indent="0" algn="ctr" rtl="0">
-                        <a:spcBef>
-                          <a:spcPts val="0"/>
-                        </a:spcBef>
-                        <a:spcAft>
-                          <a:spcPts val="0"/>
-                        </a:spcAft>
-                        <a:buNone/>
-                      </a:pPr>
-                      <a:r>
-                        <a:rPr lang="es">
-                          <a:solidFill>
-                            <a:srgbClr val="FFFFFF"/>
-                          </a:solidFill>
-                          <a:latin typeface="Oswald"/>
-                          <a:ea typeface="Oswald"/>
-                          <a:cs typeface="Oswald"/>
-                          <a:sym typeface="Oswald"/>
-                        </a:rPr>
-                        <a:t>...</a:t>
-                      </a:r>
-                      <a:endParaRPr>
-                        <a:solidFill>
-                          <a:srgbClr val="FFFFFF"/>
-                        </a:solidFill>
-                        <a:latin typeface="Oswald"/>
-                        <a:ea typeface="Oswald"/>
-                        <a:cs typeface="Oswald"/>
-                        <a:sym typeface="Oswald"/>
-                      </a:endParaRPr>
-                    </a:p>
-                  </a:txBody>
-                  <a:tcPr marL="91425" marR="91425" marT="68575" marB="68575" anchor="ctr">
-                    <a:lnL w="9525" cap="flat" cmpd="sng">
-                      <a:solidFill>
-                        <a:srgbClr val="BDCDD1"/>
-                      </a:solidFill>
-                      <a:prstDash val="solid"/>
-                      <a:round/>
-                      <a:headEnd type="none" w="sm" len="sm"/>
-                      <a:tailEnd type="none" w="sm" len="sm"/>
-                    </a:lnL>
-                    <a:lnR w="9525" cap="flat" cmpd="sng">
-                      <a:solidFill>
-                        <a:srgbClr val="BDCDD1"/>
-                      </a:solidFill>
-                      <a:prstDash val="solid"/>
-                      <a:round/>
-                      <a:headEnd type="none" w="sm" len="sm"/>
-                      <a:tailEnd type="none" w="sm" len="sm"/>
-                    </a:lnR>
-                    <a:lnT w="9525" cap="flat" cmpd="sng">
-                      <a:solidFill>
-                        <a:srgbClr val="BDCDD1"/>
-                      </a:solidFill>
-                      <a:prstDash val="solid"/>
-                      <a:round/>
-                      <a:headEnd type="none" w="sm" len="sm"/>
-                      <a:tailEnd type="none" w="sm" len="sm"/>
-                    </a:lnT>
-                    <a:lnB w="9525" cap="flat" cmpd="sng">
-                      <a:solidFill>
-                        <a:srgbClr val="BDCDD1"/>
-                      </a:solidFill>
-                      <a:prstDash val="solid"/>
-                      <a:round/>
-                      <a:headEnd type="none" w="sm" len="sm"/>
-                      <a:tailEnd type="none" w="sm" len="sm"/>
-                    </a:lnB>
-                    <a:solidFill>
-                      <a:schemeClr val="accent5"/>
-                    </a:solidFill>
-                  </a:tcPr>
-                </a:tc>
-                <a:tc>
-                  <a:txBody>
-                    <a:bodyPr/>
-                    <a:lstStyle/>
-                    <a:p>
-                      <a:pPr marL="0" lvl="0" indent="0" algn="ctr" rtl="0">
-                        <a:spcBef>
-                          <a:spcPts val="0"/>
-                        </a:spcBef>
-                        <a:spcAft>
-                          <a:spcPts val="0"/>
-                        </a:spcAft>
-                        <a:buNone/>
-                      </a:pPr>
-                      <a:r>
-                        <a:rPr lang="es" sz="1800">
-                          <a:solidFill>
-                            <a:srgbClr val="2E707B"/>
-                          </a:solidFill>
-                          <a:latin typeface="Source Sans Pro"/>
-                          <a:ea typeface="Source Sans Pro"/>
-                          <a:cs typeface="Source Sans Pro"/>
-                          <a:sym typeface="Source Sans Pro"/>
-                        </a:rPr>
-                        <a:t>...</a:t>
-                      </a:r>
-                      <a:endParaRPr sz="1800">
-                        <a:solidFill>
-                          <a:srgbClr val="2E707B"/>
-                        </a:solidFill>
-                        <a:latin typeface="Source Sans Pro"/>
-                        <a:ea typeface="Source Sans Pro"/>
-                        <a:cs typeface="Source Sans Pro"/>
-                        <a:sym typeface="Source Sans Pro"/>
-                      </a:endParaRPr>
-                    </a:p>
-                  </a:txBody>
-                  <a:tcPr marL="91425" marR="91425" marT="68575" marB="68575" anchor="ctr">
-                    <a:lnL w="9525" cap="flat" cmpd="sng">
-                      <a:solidFill>
-                        <a:srgbClr val="BDCDD1"/>
-                      </a:solidFill>
-                      <a:prstDash val="solid"/>
-                      <a:round/>
-                      <a:headEnd type="none" w="sm" len="sm"/>
-                      <a:tailEnd type="none" w="sm" len="sm"/>
-                    </a:lnL>
-                    <a:lnR w="9525" cap="flat" cmpd="sng">
-                      <a:solidFill>
-                        <a:srgbClr val="BDCDD1"/>
-                      </a:solidFill>
-                      <a:prstDash val="solid"/>
-                      <a:round/>
-                      <a:headEnd type="none" w="sm" len="sm"/>
-                      <a:tailEnd type="none" w="sm" len="sm"/>
-                    </a:lnR>
-                    <a:lnT w="9525" cap="flat" cmpd="sng">
-                      <a:solidFill>
-                        <a:srgbClr val="BDCDD1"/>
-                      </a:solidFill>
-                      <a:prstDash val="dash"/>
-                      <a:round/>
-                      <a:headEnd type="none" w="sm" len="sm"/>
-                      <a:tailEnd type="none" w="sm" len="sm"/>
-                    </a:lnT>
-                    <a:lnB w="9525" cap="flat" cmpd="sng">
-                      <a:solidFill>
-                        <a:srgbClr val="BDCDD1"/>
-                      </a:solidFill>
-                      <a:prstDash val="solid"/>
-                      <a:round/>
-                      <a:headEnd type="none" w="sm" len="sm"/>
-                      <a:tailEnd type="none" w="sm" len="sm"/>
-                    </a:lnB>
-                  </a:tcPr>
-                </a:tc>
-                <a:extLst>
-                  <a:ext uri="{0D108BD9-81ED-4DB2-BD59-A6C34878D82A}">
-                    <a16:rowId xmlns:a16="http://schemas.microsoft.com/office/drawing/2014/main" val="10009"/>
-                  </a:ext>
-                </a:extLst>
-              </a:tr>
-            </a:tbl>
-          </a:graphicData>
-        </a:graphic>
-      </p:graphicFrame>
       <p:grpSp>
         <p:nvGrpSpPr>
           <p:cNvPr id="276" name="Google Shape;276;p30"/>
@@ -32312,7 +30566,7 @@
         </p:nvGrpSpPr>
         <p:grpSpPr>
           <a:xfrm>
-            <a:off x="468138" y="2728353"/>
+            <a:off x="1691607" y="2753008"/>
             <a:ext cx="2339157" cy="542479"/>
             <a:chOff x="4100207" y="2107304"/>
             <a:chExt cx="510343" cy="118352"/>
@@ -32522,7 +30776,7 @@
         </p:nvGrpSpPr>
         <p:grpSpPr>
           <a:xfrm>
-            <a:off x="468038" y="3741353"/>
+            <a:off x="1691507" y="3766008"/>
             <a:ext cx="2339157" cy="542479"/>
             <a:chOff x="4100207" y="2107304"/>
             <a:chExt cx="510343" cy="118352"/>
@@ -32732,7 +30986,7 @@
         </p:nvGrpSpPr>
         <p:grpSpPr>
           <a:xfrm rot="5400000">
-            <a:off x="1402348" y="3353526"/>
+            <a:off x="2625817" y="3378181"/>
             <a:ext cx="470556" cy="305098"/>
             <a:chOff x="5055550" y="1973250"/>
             <a:chExt cx="66200" cy="42925"/>
@@ -32942,7 +31196,7 @@
         </p:nvGrpSpPr>
         <p:grpSpPr>
           <a:xfrm rot="5400000">
-            <a:off x="1255095" y="4515009"/>
+            <a:off x="2478564" y="4539664"/>
             <a:ext cx="766709" cy="305021"/>
             <a:chOff x="5055550" y="1973250"/>
             <a:chExt cx="66200" cy="42925"/>
@@ -33152,7 +31406,7 @@
         </p:nvGrpSpPr>
         <p:grpSpPr>
           <a:xfrm rot="5400000">
-            <a:off x="1402348" y="2340501"/>
+            <a:off x="2625817" y="2365156"/>
             <a:ext cx="470556" cy="305098"/>
             <a:chOff x="5055550" y="1973250"/>
             <a:chExt cx="66200" cy="42925"/>
@@ -33362,7 +31616,7 @@
         </p:nvSpPr>
         <p:spPr>
           <a:xfrm>
-            <a:off x="967675" y="3323833"/>
+            <a:off x="2191144" y="3348488"/>
             <a:ext cx="895500" cy="364500"/>
           </a:xfrm>
           <a:prstGeom prst="rect">
@@ -33414,7 +31668,7 @@
         </p:nvSpPr>
         <p:spPr>
           <a:xfrm>
-            <a:off x="1179975" y="2259513"/>
+            <a:off x="2403444" y="2284168"/>
             <a:ext cx="305100" cy="242700"/>
           </a:xfrm>
           <a:prstGeom prst="rect">
@@ -33466,7 +31720,7 @@
         </p:nvSpPr>
         <p:spPr>
           <a:xfrm rot="4219712">
-            <a:off x="968421" y="2778780"/>
+            <a:off x="2191890" y="2803435"/>
             <a:ext cx="2771784" cy="1445468"/>
           </a:xfrm>
           <a:custGeom>
@@ -33553,7 +31807,7 @@
         </p:nvSpPr>
         <p:spPr>
           <a:xfrm>
-            <a:off x="967675" y="4754345"/>
+            <a:off x="2191144" y="4779000"/>
             <a:ext cx="895500" cy="364500"/>
           </a:xfrm>
           <a:prstGeom prst="rect">
@@ -33605,7 +31859,7 @@
         </p:nvGrpSpPr>
         <p:grpSpPr>
           <a:xfrm rot="2700000">
-            <a:off x="1479549" y="4402636"/>
+            <a:off x="2703018" y="4427291"/>
             <a:ext cx="317807" cy="317807"/>
             <a:chOff x="2085525" y="4992125"/>
             <a:chExt cx="481825" cy="481825"/>
@@ -33986,7 +32240,7 @@
         </p:nvSpPr>
         <p:spPr>
           <a:xfrm>
-            <a:off x="507650" y="4403475"/>
+            <a:off x="1731119" y="4428130"/>
             <a:ext cx="978300" cy="364500"/>
           </a:xfrm>
           <a:prstGeom prst="rect">
@@ -34038,7 +32292,7 @@
         </p:nvSpPr>
         <p:spPr>
           <a:xfrm>
-            <a:off x="218575" y="3331000"/>
+            <a:off x="1442044" y="3355655"/>
             <a:ext cx="664800" cy="290700"/>
           </a:xfrm>
           <a:prstGeom prst="rect">
@@ -34090,7 +32344,7 @@
         </p:nvSpPr>
         <p:spPr>
           <a:xfrm>
-            <a:off x="3014600" y="3230325"/>
+            <a:off x="4238069" y="3254980"/>
             <a:ext cx="978300" cy="542400"/>
           </a:xfrm>
           <a:prstGeom prst="rect">
@@ -34168,8 +32422,8 @@
         </p:nvSpPr>
         <p:spPr>
           <a:xfrm>
-            <a:off x="1043350" y="2741150"/>
-            <a:ext cx="1439100" cy="449400"/>
+            <a:off x="2266818" y="2765805"/>
+            <a:ext cx="2003501" cy="449400"/>
           </a:xfrm>
           <a:prstGeom prst="rect">
             <a:avLst/>
@@ -34195,7 +32449,7 @@
               <a:buNone/>
             </a:pPr>
             <a:r>
-              <a:rPr lang="es" sz="2000">
+              <a:rPr lang="es" sz="2000" dirty="0">
                 <a:latin typeface="Source Sans Pro Light"/>
                 <a:ea typeface="Source Sans Pro Light"/>
                 <a:cs typeface="Source Sans Pro Light"/>
@@ -34203,7 +32457,7 @@
               </a:rPr>
               <a:t>weight layer</a:t>
             </a:r>
-            <a:endParaRPr sz="2000">
+            <a:endParaRPr sz="2000" dirty="0">
               <a:latin typeface="Source Sans Pro Light"/>
               <a:ea typeface="Source Sans Pro Light"/>
               <a:cs typeface="Source Sans Pro Light"/>
@@ -34220,8 +32474,8 @@
         </p:nvSpPr>
         <p:spPr>
           <a:xfrm>
-            <a:off x="1043350" y="3761563"/>
-            <a:ext cx="1439100" cy="449400"/>
+            <a:off x="2266818" y="3786218"/>
+            <a:ext cx="2033615" cy="449400"/>
           </a:xfrm>
           <a:prstGeom prst="rect">
             <a:avLst/>
@@ -34247,7 +32501,7 @@
               <a:buNone/>
             </a:pPr>
             <a:r>
-              <a:rPr lang="es" sz="2000">
+              <a:rPr lang="es" sz="2000" dirty="0">
                 <a:latin typeface="Source Sans Pro Light"/>
                 <a:ea typeface="Source Sans Pro Light"/>
                 <a:cs typeface="Source Sans Pro Light"/>
@@ -34255,7 +32509,7 @@
               </a:rPr>
               <a:t>weight layer</a:t>
             </a:r>
-            <a:endParaRPr sz="2000">
+            <a:endParaRPr sz="2000" dirty="0">
               <a:latin typeface="Source Sans Pro Light"/>
               <a:ea typeface="Source Sans Pro Light"/>
               <a:cs typeface="Source Sans Pro Light"/>
